--- a/Manufacturer Presentation 1.pptx
+++ b/Manufacturer Presentation 1.pptx
@@ -6,14 +6,15 @@
   </p:sldMasterIdLst>
   <p:sldIdLst>
     <p:sldId id="256" r:id="rId2"/>
-    <p:sldId id="259" r:id="rId3"/>
-    <p:sldId id="257" r:id="rId4"/>
-    <p:sldId id="258" r:id="rId5"/>
-    <p:sldId id="262" r:id="rId6"/>
-    <p:sldId id="260" r:id="rId7"/>
-    <p:sldId id="263" r:id="rId8"/>
-    <p:sldId id="261" r:id="rId9"/>
-    <p:sldId id="264" r:id="rId10"/>
+    <p:sldId id="265" r:id="rId3"/>
+    <p:sldId id="259" r:id="rId4"/>
+    <p:sldId id="257" r:id="rId5"/>
+    <p:sldId id="258" r:id="rId6"/>
+    <p:sldId id="262" r:id="rId7"/>
+    <p:sldId id="260" r:id="rId8"/>
+    <p:sldId id="263" r:id="rId9"/>
+    <p:sldId id="261" r:id="rId10"/>
+    <p:sldId id="264" r:id="rId11"/>
   </p:sldIdLst>
   <p:sldSz cx="12192000" cy="6858000"/>
   <p:notesSz cx="6858000" cy="9144000"/>
@@ -451,7 +452,7 @@
           <a:p>
             <a:fld id="{50763924-AD7E-43AE-B1CF-2F810EC495AF}" type="datetimeFigureOut">
               <a:rPr lang="en-US" smtClean="0"/>
-              <a:t>2/11/2019</a:t>
+              <a:t>2/15/2019</a:t>
             </a:fld>
             <a:endParaRPr lang="en-US"/>
           </a:p>
@@ -775,7 +776,7 @@
           <a:p>
             <a:fld id="{50763924-AD7E-43AE-B1CF-2F810EC495AF}" type="datetimeFigureOut">
               <a:rPr lang="en-US" smtClean="0"/>
-              <a:t>2/11/2019</a:t>
+              <a:t>2/15/2019</a:t>
             </a:fld>
             <a:endParaRPr lang="en-US"/>
           </a:p>
@@ -1023,7 +1024,7 @@
           <a:p>
             <a:fld id="{50763924-AD7E-43AE-B1CF-2F810EC495AF}" type="datetimeFigureOut">
               <a:rPr lang="en-US" smtClean="0"/>
-              <a:t>2/11/2019</a:t>
+              <a:t>2/15/2019</a:t>
             </a:fld>
             <a:endParaRPr lang="en-US"/>
           </a:p>
@@ -1362,7 +1363,7 @@
           <a:p>
             <a:fld id="{50763924-AD7E-43AE-B1CF-2F810EC495AF}" type="datetimeFigureOut">
               <a:rPr lang="en-US" smtClean="0"/>
-              <a:t>2/11/2019</a:t>
+              <a:t>2/15/2019</a:t>
             </a:fld>
             <a:endParaRPr lang="en-US"/>
           </a:p>
@@ -1709,7 +1710,7 @@
           <a:p>
             <a:fld id="{50763924-AD7E-43AE-B1CF-2F810EC495AF}" type="datetimeFigureOut">
               <a:rPr lang="en-US" smtClean="0"/>
-              <a:t>2/11/2019</a:t>
+              <a:t>2/15/2019</a:t>
             </a:fld>
             <a:endParaRPr lang="en-US"/>
           </a:p>
@@ -2083,7 +2084,7 @@
           <a:p>
             <a:fld id="{50763924-AD7E-43AE-B1CF-2F810EC495AF}" type="datetimeFigureOut">
               <a:rPr lang="en-US" smtClean="0"/>
-              <a:t>2/11/2019</a:t>
+              <a:t>2/15/2019</a:t>
             </a:fld>
             <a:endParaRPr lang="en-US"/>
           </a:p>
@@ -2553,7 +2554,7 @@
           <a:p>
             <a:fld id="{50763924-AD7E-43AE-B1CF-2F810EC495AF}" type="datetimeFigureOut">
               <a:rPr lang="en-US" smtClean="0"/>
-              <a:t>2/11/2019</a:t>
+              <a:t>2/15/2019</a:t>
             </a:fld>
             <a:endParaRPr lang="en-US"/>
           </a:p>
@@ -2758,7 +2759,7 @@
           <a:p>
             <a:fld id="{50763924-AD7E-43AE-B1CF-2F810EC495AF}" type="datetimeFigureOut">
               <a:rPr lang="en-US" smtClean="0"/>
-              <a:t>2/11/2019</a:t>
+              <a:t>2/15/2019</a:t>
             </a:fld>
             <a:endParaRPr lang="en-US"/>
           </a:p>
@@ -2969,7 +2970,7 @@
           <a:p>
             <a:fld id="{50763924-AD7E-43AE-B1CF-2F810EC495AF}" type="datetimeFigureOut">
               <a:rPr lang="en-US" smtClean="0"/>
-              <a:t>2/11/2019</a:t>
+              <a:t>2/15/2019</a:t>
             </a:fld>
             <a:endParaRPr lang="en-US"/>
           </a:p>
@@ -3201,7 +3202,7 @@
           <a:p>
             <a:fld id="{50763924-AD7E-43AE-B1CF-2F810EC495AF}" type="datetimeFigureOut">
               <a:rPr lang="en-US" smtClean="0"/>
-              <a:t>2/11/2019</a:t>
+              <a:t>2/15/2019</a:t>
             </a:fld>
             <a:endParaRPr lang="en-US"/>
           </a:p>
@@ -3449,7 +3450,7 @@
           <a:p>
             <a:fld id="{50763924-AD7E-43AE-B1CF-2F810EC495AF}" type="datetimeFigureOut">
               <a:rPr lang="en-US" smtClean="0"/>
-              <a:t>2/11/2019</a:t>
+              <a:t>2/15/2019</a:t>
             </a:fld>
             <a:endParaRPr lang="en-US"/>
           </a:p>
@@ -3747,7 +3748,7 @@
           <a:p>
             <a:fld id="{50763924-AD7E-43AE-B1CF-2F810EC495AF}" type="datetimeFigureOut">
               <a:rPr lang="en-US" smtClean="0"/>
-              <a:t>2/11/2019</a:t>
+              <a:t>2/15/2019</a:t>
             </a:fld>
             <a:endParaRPr lang="en-US"/>
           </a:p>
@@ -4141,7 +4142,7 @@
           <a:p>
             <a:fld id="{50763924-AD7E-43AE-B1CF-2F810EC495AF}" type="datetimeFigureOut">
               <a:rPr lang="en-US" smtClean="0"/>
-              <a:t>2/11/2019</a:t>
+              <a:t>2/15/2019</a:t>
             </a:fld>
             <a:endParaRPr lang="en-US"/>
           </a:p>
@@ -4290,7 +4291,7 @@
           <a:p>
             <a:fld id="{50763924-AD7E-43AE-B1CF-2F810EC495AF}" type="datetimeFigureOut">
               <a:rPr lang="en-US" smtClean="0"/>
-              <a:t>2/11/2019</a:t>
+              <a:t>2/15/2019</a:t>
             </a:fld>
             <a:endParaRPr lang="en-US"/>
           </a:p>
@@ -4416,7 +4417,7 @@
           <a:p>
             <a:fld id="{50763924-AD7E-43AE-B1CF-2F810EC495AF}" type="datetimeFigureOut">
               <a:rPr lang="en-US" smtClean="0"/>
-              <a:t>2/11/2019</a:t>
+              <a:t>2/15/2019</a:t>
             </a:fld>
             <a:endParaRPr lang="en-US"/>
           </a:p>
@@ -4671,7 +4672,7 @@
           <a:p>
             <a:fld id="{50763924-AD7E-43AE-B1CF-2F810EC495AF}" type="datetimeFigureOut">
               <a:rPr lang="en-US" smtClean="0"/>
-              <a:t>2/11/2019</a:t>
+              <a:t>2/15/2019</a:t>
             </a:fld>
             <a:endParaRPr lang="en-US"/>
           </a:p>
@@ -4986,7 +4987,7 @@
           <a:p>
             <a:fld id="{50763924-AD7E-43AE-B1CF-2F810EC495AF}" type="datetimeFigureOut">
               <a:rPr lang="en-US" smtClean="0"/>
-              <a:t>2/11/2019</a:t>
+              <a:t>2/15/2019</a:t>
             </a:fld>
             <a:endParaRPr lang="en-US"/>
           </a:p>
@@ -5337,7 +5338,7 @@
           <a:p>
             <a:fld id="{50763924-AD7E-43AE-B1CF-2F810EC495AF}" type="datetimeFigureOut">
               <a:rPr lang="en-US" smtClean="0"/>
-              <a:t>2/11/2019</a:t>
+              <a:t>2/15/2019</a:t>
             </a:fld>
             <a:endParaRPr lang="en-US"/>
           </a:p>
@@ -5943,6 +5944,70 @@
 </p:sld>
 </file>
 
+<file path=ppt/slides/slide10.xml><?xml version="1.0" encoding="utf-8"?>
+<p:sld xmlns:a="http://schemas.openxmlformats.org/drawingml/2006/main" xmlns:r="http://schemas.openxmlformats.org/officeDocument/2006/relationships" xmlns:p="http://schemas.openxmlformats.org/presentationml/2006/main">
+  <p:cSld>
+    <p:spTree>
+      <p:nvGrpSpPr>
+        <p:cNvPr id="1" name=""/>
+        <p:cNvGrpSpPr/>
+        <p:nvPr/>
+      </p:nvGrpSpPr>
+      <p:grpSpPr>
+        <a:xfrm>
+          <a:off x="0" y="0"/>
+          <a:ext cx="0" cy="0"/>
+          <a:chOff x="0" y="0"/>
+          <a:chExt cx="0" cy="0"/>
+        </a:xfrm>
+      </p:grpSpPr>
+      <p:sp>
+        <p:nvSpPr>
+          <p:cNvPr id="2" name="標題 1">
+            <a:extLst>
+              <a:ext uri="{FF2B5EF4-FFF2-40B4-BE49-F238E27FC236}">
+                <a16:creationId xmlns:a16="http://schemas.microsoft.com/office/drawing/2014/main" id="{4140FAAA-1409-42A4-B79F-E6CDFE4D92A4}"/>
+              </a:ext>
+            </a:extLst>
+          </p:cNvPr>
+          <p:cNvSpPr>
+            <a:spLocks noGrp="1"/>
+          </p:cNvSpPr>
+          <p:nvPr>
+            <p:ph type="title"/>
+          </p:nvPr>
+        </p:nvSpPr>
+        <p:spPr>
+          <a:xfrm>
+            <a:off x="1295402" y="2777066"/>
+            <a:ext cx="9601196" cy="1303867"/>
+          </a:xfrm>
+        </p:spPr>
+        <p:txBody>
+          <a:bodyPr/>
+          <a:lstStyle/>
+          <a:p>
+            <a:r>
+              <a:rPr lang="en-HK" dirty="0"/>
+              <a:t>End of Presentation</a:t>
+            </a:r>
+            <a:endParaRPr lang="en-US" dirty="0"/>
+          </a:p>
+        </p:txBody>
+      </p:sp>
+    </p:spTree>
+    <p:extLst>
+      <p:ext uri="{BB962C8B-B14F-4D97-AF65-F5344CB8AC3E}">
+        <p14:creationId xmlns:p14="http://schemas.microsoft.com/office/powerpoint/2010/main" val="3323095557"/>
+      </p:ext>
+    </p:extLst>
+  </p:cSld>
+  <p:clrMapOvr>
+    <a:masterClrMapping/>
+  </p:clrMapOvr>
+</p:sld>
+</file>
+
 <file path=ppt/slides/slide2.xml><?xml version="1.0" encoding="utf-8"?>
 <p:sld xmlns:a="http://schemas.openxmlformats.org/drawingml/2006/main" xmlns:r="http://schemas.openxmlformats.org/officeDocument/2006/relationships" xmlns:p="http://schemas.openxmlformats.org/presentationml/2006/main">
   <p:cSld>
@@ -5965,6 +6030,127 @@
           <p:cNvPr id="2" name="標題 1">
             <a:extLst>
               <a:ext uri="{FF2B5EF4-FFF2-40B4-BE49-F238E27FC236}">
+                <a16:creationId xmlns:a16="http://schemas.microsoft.com/office/drawing/2014/main" id="{B52FEAFF-EDFF-44C8-B2BF-5912A82576C1}"/>
+              </a:ext>
+            </a:extLst>
+          </p:cNvPr>
+          <p:cNvSpPr>
+            <a:spLocks noGrp="1"/>
+          </p:cNvSpPr>
+          <p:nvPr>
+            <p:ph type="title"/>
+          </p:nvPr>
+        </p:nvSpPr>
+        <p:spPr/>
+        <p:txBody>
+          <a:bodyPr>
+            <a:normAutofit fontScale="90000"/>
+          </a:bodyPr>
+          <a:lstStyle/>
+          <a:p>
+            <a:r>
+              <a:rPr lang="en-US" dirty="0"/>
+              <a:t>Group members</a:t>
+            </a:r>
+            <a:br>
+              <a:rPr lang="en-US" dirty="0"/>
+            </a:br>
+            <a:endParaRPr lang="en-US" dirty="0"/>
+          </a:p>
+        </p:txBody>
+      </p:sp>
+      <p:sp>
+        <p:nvSpPr>
+          <p:cNvPr id="3" name="內容版面配置區 2">
+            <a:extLst>
+              <a:ext uri="{FF2B5EF4-FFF2-40B4-BE49-F238E27FC236}">
+                <a16:creationId xmlns:a16="http://schemas.microsoft.com/office/drawing/2014/main" id="{E8D70595-D050-4574-A053-22A63A9BF60B}"/>
+              </a:ext>
+            </a:extLst>
+          </p:cNvPr>
+          <p:cNvSpPr>
+            <a:spLocks noGrp="1"/>
+          </p:cNvSpPr>
+          <p:nvPr>
+            <p:ph idx="1"/>
+          </p:nvPr>
+        </p:nvSpPr>
+        <p:spPr/>
+        <p:txBody>
+          <a:bodyPr/>
+          <a:lstStyle/>
+          <a:p>
+            <a:r>
+              <a:rPr lang="en-US" dirty="0"/>
+              <a:t>Chan Chi Lap Toby 54777615</a:t>
+            </a:r>
+          </a:p>
+          <a:p>
+            <a:r>
+              <a:rPr lang="en-US" dirty="0"/>
+              <a:t>Kwok Ching </a:t>
+            </a:r>
+            <a:r>
+              <a:rPr lang="en-US"/>
+              <a:t>Yin Mark 54777770</a:t>
+            </a:r>
+            <a:endParaRPr lang="en-US" dirty="0"/>
+          </a:p>
+          <a:p>
+            <a:r>
+              <a:rPr lang="en-US" dirty="0"/>
+              <a:t>Lo Ho Tin Jeffrey 54777719</a:t>
+            </a:r>
+          </a:p>
+          <a:p>
+            <a:r>
+              <a:rPr lang="en-US" altLang="zh-CN" dirty="0"/>
+              <a:t>Wong Yan Tin Ivan 54777688</a:t>
+            </a:r>
+          </a:p>
+          <a:p>
+            <a:r>
+              <a:rPr lang="en-US" dirty="0"/>
+              <a:t>Wong Kwun Hoi  54787805</a:t>
+            </a:r>
+          </a:p>
+        </p:txBody>
+      </p:sp>
+    </p:spTree>
+    <p:extLst>
+      <p:ext uri="{BB962C8B-B14F-4D97-AF65-F5344CB8AC3E}">
+        <p14:creationId xmlns:p14="http://schemas.microsoft.com/office/powerpoint/2010/main" val="1809802601"/>
+      </p:ext>
+    </p:extLst>
+  </p:cSld>
+  <p:clrMapOvr>
+    <a:masterClrMapping/>
+  </p:clrMapOvr>
+</p:sld>
+</file>
+
+<file path=ppt/slides/slide3.xml><?xml version="1.0" encoding="utf-8"?>
+<p:sld xmlns:a="http://schemas.openxmlformats.org/drawingml/2006/main" xmlns:r="http://schemas.openxmlformats.org/officeDocument/2006/relationships" xmlns:p="http://schemas.openxmlformats.org/presentationml/2006/main">
+  <p:cSld>
+    <p:spTree>
+      <p:nvGrpSpPr>
+        <p:cNvPr id="1" name=""/>
+        <p:cNvGrpSpPr/>
+        <p:nvPr/>
+      </p:nvGrpSpPr>
+      <p:grpSpPr>
+        <a:xfrm>
+          <a:off x="0" y="0"/>
+          <a:ext cx="0" cy="0"/>
+          <a:chOff x="0" y="0"/>
+          <a:chExt cx="0" cy="0"/>
+        </a:xfrm>
+      </p:grpSpPr>
+      <p:sp>
+        <p:nvSpPr>
+          <p:cNvPr id="2" name="標題 1">
+            <a:extLst>
+              <a:ext uri="{FF2B5EF4-FFF2-40B4-BE49-F238E27FC236}">
                 <a16:creationId xmlns:a16="http://schemas.microsoft.com/office/drawing/2014/main" id="{CC14DB98-FAD4-4BF4-B143-795B1EFAAB04}"/>
               </a:ext>
             </a:extLst>
@@ -6007,7 +6193,7 @@
 </p:sld>
 </file>
 
-<file path=ppt/slides/slide3.xml><?xml version="1.0" encoding="utf-8"?>
+<file path=ppt/slides/slide4.xml><?xml version="1.0" encoding="utf-8"?>
 <p:sld xmlns:a="http://schemas.openxmlformats.org/drawingml/2006/main" xmlns:r="http://schemas.openxmlformats.org/officeDocument/2006/relationships" xmlns:p="http://schemas.openxmlformats.org/presentationml/2006/main">
   <p:cSld>
     <p:spTree>
@@ -6394,7 +6580,7 @@
 </p:sld>
 </file>
 
-<file path=ppt/slides/slide4.xml><?xml version="1.0" encoding="utf-8"?>
+<file path=ppt/slides/slide5.xml><?xml version="1.0" encoding="utf-8"?>
 <p:sld xmlns:a="http://schemas.openxmlformats.org/drawingml/2006/main" xmlns:r="http://schemas.openxmlformats.org/officeDocument/2006/relationships" xmlns:p="http://schemas.openxmlformats.org/presentationml/2006/main">
   <p:cSld>
     <p:spTree>
@@ -6461,7 +6647,7 @@
             <p:ph idx="1"/>
             <p:extLst>
               <p:ext uri="{D42A27DB-BD31-4B8C-83A1-F6EECF244321}">
-                <p14:modId xmlns:p14="http://schemas.microsoft.com/office/powerpoint/2010/main" val="3214793664"/>
+                <p14:modId xmlns:p14="http://schemas.microsoft.com/office/powerpoint/2010/main" val="3338646907"/>
               </p:ext>
             </p:extLst>
           </p:nvPr>
@@ -6499,8 +6685,12 @@
                     <a:lstStyle/>
                     <a:p>
                       <a:r>
-                        <a:rPr lang="en-HK" sz="2400" b="1" dirty="0" err="1"/>
-                        <a:t>item_id</a:t>
+                        <a:rPr lang="en-HK" sz="2400" b="1" dirty="0"/>
+                        <a:t>item_</a:t>
+                      </a:r>
+                      <a:r>
+                        <a:rPr lang="en-US" altLang="zh-CN" sz="2400" b="1" dirty="0"/>
+                        <a:t>no</a:t>
                       </a:r>
                       <a:endParaRPr lang="en-US" sz="2400" b="1" dirty="0"/>
                     </a:p>
@@ -6535,7 +6725,7 @@
                     <a:p>
                       <a:r>
                         <a:rPr lang="en-HK" sz="2400" b="1" dirty="0"/>
-                        <a:t>quantity</a:t>
+                        <a:t>qty</a:t>
                       </a:r>
                       <a:endParaRPr lang="en-US" sz="2400" b="1" dirty="0"/>
                     </a:p>
@@ -6569,8 +6759,12 @@
                     <a:lstStyle/>
                     <a:p>
                       <a:r>
+                        <a:rPr lang="en-US" altLang="zh-CN" sz="2400" b="1" dirty="0"/>
+                        <a:t>p</a:t>
+                      </a:r>
+                      <a:r>
                         <a:rPr lang="en-HK" sz="2400" b="1" dirty="0" err="1"/>
-                        <a:t>item_price</a:t>
+                        <a:t>rice_per_item</a:t>
                       </a:r>
                       <a:endParaRPr lang="en-US" sz="2400" b="1" dirty="0"/>
                     </a:p>
@@ -6660,7 +6854,7 @@
                     <a:p>
                       <a:r>
                         <a:rPr lang="en-HK" sz="2400" b="1" dirty="0" err="1"/>
-                        <a:t>expected_date</a:t>
+                        <a:t>expected_shipment_date</a:t>
                       </a:r>
                       <a:endParaRPr lang="en-US" sz="2400" b="1" dirty="0"/>
                     </a:p>
@@ -6695,7 +6889,7 @@
                     <a:p>
                       <a:r>
                         <a:rPr lang="en-HK" sz="2400" b="1" dirty="0" err="1"/>
-                        <a:t>manu_id</a:t>
+                        <a:t>manufacturer_id</a:t>
                       </a:r>
                       <a:endParaRPr lang="en-US" sz="2400" b="1" dirty="0"/>
                     </a:p>
@@ -6759,7 +6953,7 @@
 </p:sld>
 </file>
 
-<file path=ppt/slides/slide5.xml><?xml version="1.0" encoding="utf-8"?>
+<file path=ppt/slides/slide6.xml><?xml version="1.0" encoding="utf-8"?>
 <p:sld xmlns:a="http://schemas.openxmlformats.org/drawingml/2006/main" xmlns:r="http://schemas.openxmlformats.org/officeDocument/2006/relationships" xmlns:p="http://schemas.openxmlformats.org/presentationml/2006/main">
   <p:cSld>
     <p:spTree>
@@ -6893,7 +7087,7 @@
 </p:sld>
 </file>
 
-<file path=ppt/slides/slide6.xml><?xml version="1.0" encoding="utf-8"?>
+<file path=ppt/slides/slide7.xml><?xml version="1.0" encoding="utf-8"?>
 <p:sld xmlns:a="http://schemas.openxmlformats.org/drawingml/2006/main" xmlns:r="http://schemas.openxmlformats.org/officeDocument/2006/relationships" xmlns:p="http://schemas.openxmlformats.org/presentationml/2006/main">
   <p:cSld>
     <p:bg>
@@ -7269,7 +7463,7 @@
 </p:sld>
 </file>
 
-<file path=ppt/slides/slide7.xml><?xml version="1.0" encoding="utf-8"?>
+<file path=ppt/slides/slide8.xml><?xml version="1.0" encoding="utf-8"?>
 <p:sld xmlns:a="http://schemas.openxmlformats.org/drawingml/2006/main" xmlns:r="http://schemas.openxmlformats.org/officeDocument/2006/relationships" xmlns:p="http://schemas.openxmlformats.org/presentationml/2006/main">
   <p:cSld>
     <p:spTree>
@@ -7390,7 +7584,7 @@
 </p:sld>
 </file>
 
-<file path=ppt/slides/slide8.xml><?xml version="1.0" encoding="utf-8"?>
+<file path=ppt/slides/slide9.xml><?xml version="1.0" encoding="utf-8"?>
 <p:sld xmlns:a="http://schemas.openxmlformats.org/drawingml/2006/main" xmlns:r="http://schemas.openxmlformats.org/officeDocument/2006/relationships" xmlns:p="http://schemas.openxmlformats.org/presentationml/2006/main">
   <p:cSld>
     <p:bg>
@@ -7417,7 +7611,7 @@
       </p:grpSpPr>
       <p:grpSp>
         <p:nvGrpSpPr>
-          <p:cNvPr id="9" name="Group 8">
+          <p:cNvPr id="28" name="Group 27">
             <a:extLst>
               <a:ext uri="{FF2B5EF4-FFF2-40B4-BE49-F238E27FC236}">
                 <a16:creationId xmlns:a16="http://schemas.microsoft.com/office/drawing/2014/main" id="{749C117F-F390-437B-ADB0-57E87EFF34F5}"/>
@@ -7448,7 +7642,7 @@
         </p:grpSpPr>
         <p:pic>
           <p:nvPicPr>
-            <p:cNvPr id="10" name="Picture 9">
+            <p:cNvPr id="29" name="Picture 28">
               <a:extLst>
                 <a:ext uri="{FF2B5EF4-FFF2-40B4-BE49-F238E27FC236}">
                   <a16:creationId xmlns:a16="http://schemas.microsoft.com/office/drawing/2014/main" id="{A7EF42F8-2417-49A6-95CE-DE9503B0AA66}"/>
@@ -7493,7 +7687,7 @@
         </p:pic>
         <p:sp>
           <p:nvSpPr>
-            <p:cNvPr id="11" name="Rectangle 10">
+            <p:cNvPr id="30" name="Rectangle 29">
               <a:extLst>
                 <a:ext uri="{FF2B5EF4-FFF2-40B4-BE49-F238E27FC236}">
                   <a16:creationId xmlns:a16="http://schemas.microsoft.com/office/drawing/2014/main" id="{AC6F623B-2003-4AED-B02F-541A150EC143}"/>
@@ -7542,7 +7736,7 @@
         </p:sp>
         <p:pic>
           <p:nvPicPr>
-            <p:cNvPr id="12" name="Picture 11">
+            <p:cNvPr id="31" name="Picture 30">
               <a:extLst>
                 <a:ext uri="{FF2B5EF4-FFF2-40B4-BE49-F238E27FC236}">
                   <a16:creationId xmlns:a16="http://schemas.microsoft.com/office/drawing/2014/main" id="{CD11837A-4F3D-419F-ACE2-E80B1EA2846F}"/>
@@ -7586,7 +7780,7 @@
         </p:pic>
         <p:pic>
           <p:nvPicPr>
-            <p:cNvPr id="13" name="Picture 12">
+            <p:cNvPr id="32" name="Picture 31">
               <a:extLst>
                 <a:ext uri="{FF2B5EF4-FFF2-40B4-BE49-F238E27FC236}">
                   <a16:creationId xmlns:a16="http://schemas.microsoft.com/office/drawing/2014/main" id="{B9411D1A-7E2C-4A36-BE32-BF7A8E130723}"/>
@@ -7631,7 +7825,7 @@
       </p:grpSp>
       <p:cxnSp>
         <p:nvCxnSpPr>
-          <p:cNvPr id="15" name="Straight Connector 14">
+          <p:cNvPr id="34" name="Straight Connector 33">
             <a:extLst>
               <a:ext uri="{FF2B5EF4-FFF2-40B4-BE49-F238E27FC236}">
                 <a16:creationId xmlns:a16="http://schemas.microsoft.com/office/drawing/2014/main" id="{20742BC3-654B-4E41-9A6A-73A42E477639}"/>
@@ -7678,7 +7872,7 @@
       </p:cxnSp>
       <p:sp>
         <p:nvSpPr>
-          <p:cNvPr id="17" name="Rectangle 16">
+          <p:cNvPr id="36" name="Rectangle 35">
             <a:extLst>
               <a:ext uri="{FF2B5EF4-FFF2-40B4-BE49-F238E27FC236}">
                 <a16:creationId xmlns:a16="http://schemas.microsoft.com/office/drawing/2014/main" id="{1CD07172-CD61-45EB-BEE3-F644503E5C8A}"/>
@@ -7738,7 +7932,7 @@
       </p:sp>
       <p:sp>
         <p:nvSpPr>
-          <p:cNvPr id="19" name="Rectangle 18">
+          <p:cNvPr id="38" name="Rectangle 37">
             <a:extLst>
               <a:ext uri="{FF2B5EF4-FFF2-40B4-BE49-F238E27FC236}">
                 <a16:creationId xmlns:a16="http://schemas.microsoft.com/office/drawing/2014/main" id="{1EADA5DB-ED12-413A-AAB5-6A8D1152E6C4}"/>
@@ -7820,7 +8014,7 @@
       </p:sp>
       <p:sp>
         <p:nvSpPr>
-          <p:cNvPr id="21" name="Rectangle 20">
+          <p:cNvPr id="40" name="Rectangle 39">
             <a:extLst>
               <a:ext uri="{FF2B5EF4-FFF2-40B4-BE49-F238E27FC236}">
                 <a16:creationId xmlns:a16="http://schemas.microsoft.com/office/drawing/2014/main" id="{8BA45E5C-ACB9-49E8-B4DB-5255C2376673}"/>
@@ -7898,19 +8092,24 @@
           <a:lstStyle/>
           <a:p>
             <a:r>
-              <a:rPr lang="en-US" sz="4100" dirty="0">
+              <a:rPr lang="en-US" sz="4100">
                 <a:solidFill>
                   <a:srgbClr val="262626"/>
                 </a:solidFill>
               </a:rPr>
               <a:t>Retailer to Manufacturer Sample Data</a:t>
             </a:r>
+            <a:endParaRPr lang="en-US" sz="4100" dirty="0">
+              <a:solidFill>
+                <a:srgbClr val="262626"/>
+              </a:solidFill>
+            </a:endParaRPr>
           </a:p>
         </p:txBody>
       </p:sp>
       <p:sp useBgFill="1">
         <p:nvSpPr>
-          <p:cNvPr id="23" name="Rectangle 22">
+          <p:cNvPr id="42" name="Rectangle 41">
             <a:extLst>
               <a:ext uri="{FF2B5EF4-FFF2-40B4-BE49-F238E27FC236}">
                 <a16:creationId xmlns:a16="http://schemas.microsoft.com/office/drawing/2014/main" id="{857E618C-1D7B-4A51-90C1-6106CD8A1AE7}"/>
@@ -7970,10 +8169,10 @@
       </p:sp>
       <p:pic>
         <p:nvPicPr>
-          <p:cNvPr id="6" name="圖片 5">
+          <p:cNvPr id="4" name="圖片 3">
             <a:extLst>
               <a:ext uri="{FF2B5EF4-FFF2-40B4-BE49-F238E27FC236}">
-                <a16:creationId xmlns:a16="http://schemas.microsoft.com/office/drawing/2014/main" id="{E66950E3-9E6F-459B-AB6A-BB5453C4CD8B}"/>
+                <a16:creationId xmlns:a16="http://schemas.microsoft.com/office/drawing/2014/main" id="{19F3CCE8-BAF5-447C-A30C-94451ABA2690}"/>
               </a:ext>
             </a:extLst>
           </p:cNvPr>
@@ -7996,8 +8195,8 @@
         </p:blipFill>
         <p:spPr>
           <a:xfrm>
-            <a:off x="5092248" y="170675"/>
-            <a:ext cx="6802993" cy="6077727"/>
+            <a:off x="5112863" y="134997"/>
+            <a:ext cx="6761763" cy="6256420"/>
           </a:xfrm>
           <a:prstGeom prst="rect">
             <a:avLst/>
@@ -8008,70 +8207,6 @@
     <p:extLst>
       <p:ext uri="{BB962C8B-B14F-4D97-AF65-F5344CB8AC3E}">
         <p14:creationId xmlns:p14="http://schemas.microsoft.com/office/powerpoint/2010/main" val="3392463387"/>
-      </p:ext>
-    </p:extLst>
-  </p:cSld>
-  <p:clrMapOvr>
-    <a:masterClrMapping/>
-  </p:clrMapOvr>
-</p:sld>
-</file>
-
-<file path=ppt/slides/slide9.xml><?xml version="1.0" encoding="utf-8"?>
-<p:sld xmlns:a="http://schemas.openxmlformats.org/drawingml/2006/main" xmlns:r="http://schemas.openxmlformats.org/officeDocument/2006/relationships" xmlns:p="http://schemas.openxmlformats.org/presentationml/2006/main">
-  <p:cSld>
-    <p:spTree>
-      <p:nvGrpSpPr>
-        <p:cNvPr id="1" name=""/>
-        <p:cNvGrpSpPr/>
-        <p:nvPr/>
-      </p:nvGrpSpPr>
-      <p:grpSpPr>
-        <a:xfrm>
-          <a:off x="0" y="0"/>
-          <a:ext cx="0" cy="0"/>
-          <a:chOff x="0" y="0"/>
-          <a:chExt cx="0" cy="0"/>
-        </a:xfrm>
-      </p:grpSpPr>
-      <p:sp>
-        <p:nvSpPr>
-          <p:cNvPr id="2" name="標題 1">
-            <a:extLst>
-              <a:ext uri="{FF2B5EF4-FFF2-40B4-BE49-F238E27FC236}">
-                <a16:creationId xmlns:a16="http://schemas.microsoft.com/office/drawing/2014/main" id="{4140FAAA-1409-42A4-B79F-E6CDFE4D92A4}"/>
-              </a:ext>
-            </a:extLst>
-          </p:cNvPr>
-          <p:cNvSpPr>
-            <a:spLocks noGrp="1"/>
-          </p:cNvSpPr>
-          <p:nvPr>
-            <p:ph type="title"/>
-          </p:nvPr>
-        </p:nvSpPr>
-        <p:spPr>
-          <a:xfrm>
-            <a:off x="1295402" y="2777066"/>
-            <a:ext cx="9601196" cy="1303867"/>
-          </a:xfrm>
-        </p:spPr>
-        <p:txBody>
-          <a:bodyPr/>
-          <a:lstStyle/>
-          <a:p>
-            <a:r>
-              <a:rPr lang="en-HK" dirty="0"/>
-              <a:t>End of Presentation</a:t>
-            </a:r>
-            <a:endParaRPr lang="en-US" dirty="0"/>
-          </a:p>
-        </p:txBody>
-      </p:sp>
-    </p:spTree>
-    <p:extLst>
-      <p:ext uri="{BB962C8B-B14F-4D97-AF65-F5344CB8AC3E}">
-        <p14:creationId xmlns:p14="http://schemas.microsoft.com/office/powerpoint/2010/main" val="3323095557"/>
       </p:ext>
     </p:extLst>
   </p:cSld>
